--- a/KukaRuka0.2/Other/kazanforumdoc_text.pptx
+++ b/KukaRuka0.2/Other/kazanforumdoc_text.pptx
@@ -5,7 +5,7 @@
     <p:sldMasterId id="2147483648" r:id="rId1"/>
   </p:sldMasterIdLst>
   <p:notesMasterIdLst>
-    <p:notesMasterId r:id="rId17"/>
+    <p:notesMasterId r:id="rId22"/>
   </p:notesMasterIdLst>
   <p:sldIdLst>
     <p:sldId id="256" r:id="rId2"/>
@@ -18,11 +18,16 @@
     <p:sldId id="260" r:id="rId9"/>
     <p:sldId id="258" r:id="rId10"/>
     <p:sldId id="259" r:id="rId11"/>
-    <p:sldId id="261" r:id="rId12"/>
-    <p:sldId id="269" r:id="rId13"/>
-    <p:sldId id="264" r:id="rId14"/>
-    <p:sldId id="270" r:id="rId15"/>
-    <p:sldId id="271" r:id="rId16"/>
+    <p:sldId id="269" r:id="rId12"/>
+    <p:sldId id="261" r:id="rId13"/>
+    <p:sldId id="272" r:id="rId14"/>
+    <p:sldId id="273" r:id="rId15"/>
+    <p:sldId id="274" r:id="rId16"/>
+    <p:sldId id="275" r:id="rId17"/>
+    <p:sldId id="264" r:id="rId18"/>
+    <p:sldId id="270" r:id="rId19"/>
+    <p:sldId id="276" r:id="rId20"/>
+    <p:sldId id="271" r:id="rId21"/>
   </p:sldIdLst>
   <p:sldSz cx="12192000" cy="6858000"/>
   <p:notesSz cx="7104063" cy="10234613"/>
@@ -144,14 +149,23 @@
             <p14:sldId id="260"/>
             <p14:sldId id="258"/>
             <p14:sldId id="259"/>
+            <p14:sldId id="269"/>
             <p14:sldId id="261"/>
-            <p14:sldId id="269"/>
+          </p14:sldIdLst>
+        </p14:section>
+        <p14:section name="Раздел без заголовка" id="{F73D6AEC-28CF-4456-9A2D-6FBF7EDB45CC}">
+          <p14:sldIdLst>
+            <p14:sldId id="272"/>
+            <p14:sldId id="273"/>
+            <p14:sldId id="274"/>
+            <p14:sldId id="275"/>
           </p14:sldIdLst>
         </p14:section>
         <p14:section name="Раздел без заголовка" id="{75B5AD10-75F7-420F-B6FF-BEBA8EEB96FF}">
           <p14:sldIdLst>
             <p14:sldId id="264"/>
             <p14:sldId id="270"/>
+            <p14:sldId id="276"/>
             <p14:sldId id="271"/>
           </p14:sldIdLst>
         </p14:section>
@@ -249,7 +263,7 @@
           <a:p>
             <a:fld id="{58B92BBD-4479-45C8-9AC9-9612995BBB7F}" type="datetimeFigureOut">
               <a:rPr lang="ru-RU" smtClean="0"/>
-              <a:t>18.12.2019</a:t>
+              <a:t>20.12.2019</a:t>
             </a:fld>
             <a:endParaRPr lang="ru-RU"/>
           </a:p>
@@ -732,7 +746,7 @@
           <a:p>
             <a:fld id="{A4E5BFD9-767C-4811-AFC6-642DA73F9751}" type="datetimeFigureOut">
               <a:rPr lang="ru-RU" smtClean="0"/>
-              <a:t>18.12.2019</a:t>
+              <a:t>20.12.2019</a:t>
             </a:fld>
             <a:endParaRPr lang="ru-RU"/>
           </a:p>
@@ -902,7 +916,7 @@
           <a:p>
             <a:fld id="{A4E5BFD9-767C-4811-AFC6-642DA73F9751}" type="datetimeFigureOut">
               <a:rPr lang="ru-RU" smtClean="0"/>
-              <a:t>18.12.2019</a:t>
+              <a:t>20.12.2019</a:t>
             </a:fld>
             <a:endParaRPr lang="ru-RU"/>
           </a:p>
@@ -1082,7 +1096,7 @@
           <a:p>
             <a:fld id="{A4E5BFD9-767C-4811-AFC6-642DA73F9751}" type="datetimeFigureOut">
               <a:rPr lang="ru-RU" smtClean="0"/>
-              <a:t>18.12.2019</a:t>
+              <a:t>20.12.2019</a:t>
             </a:fld>
             <a:endParaRPr lang="ru-RU"/>
           </a:p>
@@ -1252,7 +1266,7 @@
           <a:p>
             <a:fld id="{A4E5BFD9-767C-4811-AFC6-642DA73F9751}" type="datetimeFigureOut">
               <a:rPr lang="ru-RU" smtClean="0"/>
-              <a:t>18.12.2019</a:t>
+              <a:t>20.12.2019</a:t>
             </a:fld>
             <a:endParaRPr lang="ru-RU"/>
           </a:p>
@@ -1498,7 +1512,7 @@
           <a:p>
             <a:fld id="{A4E5BFD9-767C-4811-AFC6-642DA73F9751}" type="datetimeFigureOut">
               <a:rPr lang="ru-RU" smtClean="0"/>
-              <a:t>18.12.2019</a:t>
+              <a:t>20.12.2019</a:t>
             </a:fld>
             <a:endParaRPr lang="ru-RU"/>
           </a:p>
@@ -1730,7 +1744,7 @@
           <a:p>
             <a:fld id="{A4E5BFD9-767C-4811-AFC6-642DA73F9751}" type="datetimeFigureOut">
               <a:rPr lang="ru-RU" smtClean="0"/>
-              <a:t>18.12.2019</a:t>
+              <a:t>20.12.2019</a:t>
             </a:fld>
             <a:endParaRPr lang="ru-RU"/>
           </a:p>
@@ -2097,7 +2111,7 @@
           <a:p>
             <a:fld id="{A4E5BFD9-767C-4811-AFC6-642DA73F9751}" type="datetimeFigureOut">
               <a:rPr lang="ru-RU" smtClean="0"/>
-              <a:t>18.12.2019</a:t>
+              <a:t>20.12.2019</a:t>
             </a:fld>
             <a:endParaRPr lang="ru-RU"/>
           </a:p>
@@ -2215,7 +2229,7 @@
           <a:p>
             <a:fld id="{A4E5BFD9-767C-4811-AFC6-642DA73F9751}" type="datetimeFigureOut">
               <a:rPr lang="ru-RU" smtClean="0"/>
-              <a:t>18.12.2019</a:t>
+              <a:t>20.12.2019</a:t>
             </a:fld>
             <a:endParaRPr lang="ru-RU"/>
           </a:p>
@@ -2310,7 +2324,7 @@
           <a:p>
             <a:fld id="{A4E5BFD9-767C-4811-AFC6-642DA73F9751}" type="datetimeFigureOut">
               <a:rPr lang="ru-RU" smtClean="0"/>
-              <a:t>18.12.2019</a:t>
+              <a:t>20.12.2019</a:t>
             </a:fld>
             <a:endParaRPr lang="ru-RU"/>
           </a:p>
@@ -2587,7 +2601,7 @@
           <a:p>
             <a:fld id="{A4E5BFD9-767C-4811-AFC6-642DA73F9751}" type="datetimeFigureOut">
               <a:rPr lang="ru-RU" smtClean="0"/>
-              <a:t>18.12.2019</a:t>
+              <a:t>20.12.2019</a:t>
             </a:fld>
             <a:endParaRPr lang="ru-RU"/>
           </a:p>
@@ -2840,7 +2854,7 @@
           <a:p>
             <a:fld id="{A4E5BFD9-767C-4811-AFC6-642DA73F9751}" type="datetimeFigureOut">
               <a:rPr lang="ru-RU" smtClean="0"/>
-              <a:t>18.12.2019</a:t>
+              <a:t>20.12.2019</a:t>
             </a:fld>
             <a:endParaRPr lang="ru-RU"/>
           </a:p>
@@ -3053,7 +3067,7 @@
           <a:p>
             <a:fld id="{A4E5BFD9-767C-4811-AFC6-642DA73F9751}" type="datetimeFigureOut">
               <a:rPr lang="ru-RU" smtClean="0"/>
-              <a:t>18.12.2019</a:t>
+              <a:t>20.12.2019</a:t>
             </a:fld>
             <a:endParaRPr lang="ru-RU"/>
           </a:p>
@@ -3728,8 +3742,82 @@
           <a:lstStyle/>
           <a:p>
             <a:r>
+              <a:rPr lang="ru-RU" dirty="0" smtClean="0"/>
+              <a:t>Программа для распознавания</a:t>
+            </a:r>
+            <a:endParaRPr lang="ru-RU" dirty="0"/>
+          </a:p>
+        </p:txBody>
+      </p:sp>
+      <p:sp>
+        <p:nvSpPr>
+          <p:cNvPr id="3" name="Объект 2"/>
+          <p:cNvSpPr>
+            <a:spLocks noGrp="1"/>
+          </p:cNvSpPr>
+          <p:nvPr>
+            <p:ph idx="1"/>
+          </p:nvPr>
+        </p:nvSpPr>
+        <p:spPr/>
+        <p:txBody>
+          <a:bodyPr/>
+          <a:lstStyle/>
+          <a:p>
+            <a:r>
+              <a:rPr lang="ru-RU" dirty="0" smtClean="0"/>
+              <a:t>Программа для распознавания написана на языке </a:t>
+            </a:r>
+            <a:r>
+              <a:rPr lang="en-US" dirty="0" smtClean="0"/>
+              <a:t>python, </a:t>
+            </a:r>
+            <a:r>
+              <a:rPr lang="ru-RU" dirty="0" smtClean="0"/>
+              <a:t>который является для нас совершенно новым языком программирования. Он не похож на </a:t>
+            </a:r>
+            <a:r>
               <a:rPr lang="en-US" dirty="0" err="1" smtClean="0"/>
-              <a:t>OpenCV</a:t>
+              <a:t>c++</a:t>
+            </a:r>
+            <a:r>
+              <a:rPr lang="en-US" dirty="0" smtClean="0"/>
+              <a:t>, </a:t>
+            </a:r>
+            <a:r>
+              <a:rPr lang="ru-RU" dirty="0" smtClean="0"/>
+              <a:t>который мы изучали при программировании </a:t>
+            </a:r>
+            <a:r>
+              <a:rPr lang="en-US" dirty="0" smtClean="0"/>
+              <a:t>Arduino. </a:t>
+            </a:r>
+            <a:r>
+              <a:rPr lang="ru-RU" dirty="0" smtClean="0"/>
+              <a:t>Для нас также была новой операционная система </a:t>
+            </a:r>
+            <a:r>
+              <a:rPr lang="en-US" dirty="0" err="1" smtClean="0"/>
+              <a:t>Raspbian</a:t>
+            </a:r>
+            <a:r>
+              <a:rPr lang="ru-RU" dirty="0" smtClean="0"/>
+              <a:t> и мы изучали как можно взаимодействовать с ней</a:t>
+            </a:r>
+            <a:r>
+              <a:rPr lang="en-US" dirty="0" smtClean="0"/>
+              <a:t>.</a:t>
+            </a:r>
+            <a:endParaRPr lang="ru-RU" dirty="0" smtClean="0"/>
+          </a:p>
+          <a:p>
+            <a:r>
+              <a:rPr lang="ru-RU" dirty="0" smtClean="0"/>
+              <a:t>Мы разработали простую систему команд для общения </a:t>
+            </a:r>
+            <a:r>
+              <a:rPr lang="en-US" dirty="0" err="1" smtClean="0"/>
+              <a:t>RPi</a:t>
             </a:r>
             <a:r>
               <a:rPr lang="en-US" dirty="0" smtClean="0"/>
@@ -3737,89 +3825,19 @@
             </a:r>
             <a:r>
               <a:rPr lang="ru-RU" dirty="0" smtClean="0"/>
-              <a:t>и </a:t>
-            </a:r>
-            <a:r>
-              <a:rPr lang="en-US" dirty="0" err="1" smtClean="0"/>
-              <a:t>Pyzbar</a:t>
-            </a:r>
-            <a:endParaRPr lang="ru-RU" dirty="0"/>
-          </a:p>
-        </p:txBody>
-      </p:sp>
-      <p:sp>
-        <p:nvSpPr>
-          <p:cNvPr id="3" name="Объект 2"/>
-          <p:cNvSpPr>
-            <a:spLocks noGrp="1"/>
-          </p:cNvSpPr>
-          <p:nvPr>
-            <p:ph idx="1"/>
-          </p:nvPr>
-        </p:nvSpPr>
-        <p:spPr/>
-        <p:txBody>
-          <a:bodyPr>
-            <a:normAutofit lnSpcReduction="10000"/>
-          </a:bodyPr>
-          <a:lstStyle/>
-          <a:p>
-            <a:r>
-              <a:rPr lang="en-US" dirty="0" err="1" smtClean="0"/>
-              <a:t>OpenCV</a:t>
-            </a:r>
-            <a:r>
-              <a:rPr lang="en-US" dirty="0" smtClean="0"/>
-              <a:t> – </a:t>
-            </a:r>
-            <a:r>
-              <a:rPr lang="ru-RU" dirty="0" smtClean="0"/>
-              <a:t>мощная библиотека с открытым исходным кодом для работы с компьютерным зрением. Она позволяет работать с изображением, определять простые формы, если использовать ее поверхностно. С ее помощью можно тренировать нейронные сети для определения сложных образов любого рода.</a:t>
-            </a:r>
-            <a:endParaRPr lang="en-US" dirty="0" smtClean="0"/>
-          </a:p>
-          <a:p>
-            <a:r>
-              <a:rPr lang="en-US" dirty="0" err="1" smtClean="0"/>
-              <a:t>Pyzbar</a:t>
-            </a:r>
-            <a:r>
-              <a:rPr lang="en-US" dirty="0" smtClean="0"/>
-              <a:t> </a:t>
-            </a:r>
-            <a:r>
-              <a:rPr lang="ru-RU" dirty="0" smtClean="0"/>
-              <a:t>тоже является библиотекой для распознавания образов для языка </a:t>
-            </a:r>
-            <a:r>
-              <a:rPr lang="en-US" dirty="0" smtClean="0"/>
-              <a:t>python</a:t>
-            </a:r>
-            <a:r>
-              <a:rPr lang="ru-RU" dirty="0" smtClean="0"/>
-              <a:t>, однако она строго ориентирована на распознавание штрих и </a:t>
-            </a:r>
-            <a:r>
-              <a:rPr lang="en-US" dirty="0" smtClean="0"/>
-              <a:t>QR </a:t>
-            </a:r>
-            <a:r>
-              <a:rPr lang="ru-RU" dirty="0" smtClean="0"/>
-              <a:t>кодов.</a:t>
-            </a:r>
-          </a:p>
-          <a:p>
-            <a:r>
-              <a:rPr lang="ru-RU" dirty="0" smtClean="0"/>
-              <a:t>Обе эти библиотеки работают в симбиозе в нашем проекте для определения цвета, формы объектов, так же </a:t>
-            </a:r>
-            <a:r>
-              <a:rPr lang="en-US" dirty="0" smtClean="0"/>
-              <a:t>QR </a:t>
-            </a:r>
-            <a:r>
-              <a:rPr lang="ru-RU" dirty="0" smtClean="0"/>
-              <a:t>и штрих кодов на них.</a:t>
+              <a:t>с </a:t>
+            </a:r>
+            <a:r>
+              <a:rPr lang="en-US" dirty="0" smtClean="0"/>
+              <a:t>Arduino </a:t>
+            </a:r>
+            <a:r>
+              <a:rPr lang="ru-RU" dirty="0" smtClean="0"/>
+              <a:t>по </a:t>
+            </a:r>
+            <a:r>
+              <a:rPr lang="en-US" dirty="0" smtClean="0"/>
+              <a:t>UART.</a:t>
             </a:r>
             <a:endParaRPr lang="ru-RU" dirty="0"/>
           </a:p>
@@ -3828,7 +3846,7 @@
     </p:spTree>
     <p:extLst>
       <p:ext uri="{BB962C8B-B14F-4D97-AF65-F5344CB8AC3E}">
-        <p14:creationId xmlns:p14="http://schemas.microsoft.com/office/powerpoint/2010/main" val="1530754924"/>
+        <p14:creationId xmlns:p14="http://schemas.microsoft.com/office/powerpoint/2010/main" val="2676962992"/>
       </p:ext>
     </p:extLst>
   </p:cSld>
@@ -3871,8 +3889,20 @@
           <a:lstStyle/>
           <a:p>
             <a:r>
-              <a:rPr lang="ru-RU" dirty="0" smtClean="0"/>
-              <a:t>Программа для распознавания</a:t>
+              <a:rPr lang="en-US" dirty="0" err="1" smtClean="0"/>
+              <a:t>OpenCV</a:t>
+            </a:r>
+            <a:r>
+              <a:rPr lang="en-US" dirty="0" smtClean="0"/>
+              <a:t> </a:t>
+            </a:r>
+            <a:r>
+              <a:rPr lang="ru-RU" dirty="0" smtClean="0"/>
+              <a:t>и </a:t>
+            </a:r>
+            <a:r>
+              <a:rPr lang="en-US" dirty="0" err="1" smtClean="0"/>
+              <a:t>Pyzbar</a:t>
             </a:r>
             <a:endParaRPr lang="ru-RU" dirty="0"/>
           </a:p>
@@ -3890,63 +3920,29 @@
         </p:nvSpPr>
         <p:spPr/>
         <p:txBody>
-          <a:bodyPr/>
-          <a:lstStyle/>
-          <a:p>
-            <a:r>
-              <a:rPr lang="ru-RU" dirty="0" smtClean="0"/>
-              <a:t>Программа для распознавания написана на языке </a:t>
-            </a:r>
-            <a:r>
-              <a:rPr lang="en-US" dirty="0" smtClean="0"/>
-              <a:t>python, </a:t>
-            </a:r>
-            <a:r>
-              <a:rPr lang="ru-RU" dirty="0" smtClean="0"/>
-              <a:t>который является для нас совершенно новым языком программирования. Он не похож на </a:t>
-            </a:r>
+          <a:bodyPr>
+            <a:normAutofit lnSpcReduction="10000"/>
+          </a:bodyPr>
+          <a:lstStyle/>
+          <a:p>
             <a:r>
               <a:rPr lang="en-US" dirty="0" err="1" smtClean="0"/>
-              <a:t>c++</a:t>
-            </a:r>
-            <a:r>
-              <a:rPr lang="en-US" dirty="0" smtClean="0"/>
-              <a:t>, </a:t>
-            </a:r>
-            <a:r>
-              <a:rPr lang="ru-RU" dirty="0" smtClean="0"/>
-              <a:t>который мы изучали при программировании </a:t>
-            </a:r>
-            <a:r>
-              <a:rPr lang="en-US" dirty="0" smtClean="0"/>
-              <a:t>Arduino. </a:t>
-            </a:r>
-            <a:r>
-              <a:rPr lang="ru-RU" dirty="0" smtClean="0"/>
-              <a:t>Для нас также была новой операционная система </a:t>
-            </a:r>
+              <a:t>OpenCV</a:t>
+            </a:r>
+            <a:r>
+              <a:rPr lang="en-US" dirty="0" smtClean="0"/>
+              <a:t> – </a:t>
+            </a:r>
+            <a:r>
+              <a:rPr lang="ru-RU" dirty="0" smtClean="0"/>
+              <a:t>мощная библиотека с открытым исходным кодом для работы с компьютерным зрением. Она позволяет работать с изображением, определять простые формы, если использовать ее поверхностно. С ее помощью можно тренировать нейронные сети для определения сложных образов любого рода.</a:t>
+            </a:r>
+            <a:endParaRPr lang="en-US" dirty="0" smtClean="0"/>
+          </a:p>
+          <a:p>
             <a:r>
               <a:rPr lang="en-US" dirty="0" err="1" smtClean="0"/>
-              <a:t>Raspbian</a:t>
-            </a:r>
-            <a:r>
-              <a:rPr lang="ru-RU" dirty="0" smtClean="0"/>
-              <a:t> и мы изучали как можно взаимодействовать с ней</a:t>
-            </a:r>
-            <a:r>
-              <a:rPr lang="en-US" dirty="0" smtClean="0"/>
-              <a:t>.</a:t>
-            </a:r>
-            <a:endParaRPr lang="ru-RU" dirty="0" smtClean="0"/>
-          </a:p>
-          <a:p>
-            <a:r>
-              <a:rPr lang="ru-RU" dirty="0" smtClean="0"/>
-              <a:t>Мы разработали простую систему команд для общения </a:t>
-            </a:r>
-            <a:r>
-              <a:rPr lang="en-US" dirty="0" err="1" smtClean="0"/>
-              <a:t>RPi</a:t>
+              <a:t>Pyzbar</a:t>
             </a:r>
             <a:r>
               <a:rPr lang="en-US" dirty="0" smtClean="0"/>
@@ -3954,19 +3950,37 @@
             </a:r>
             <a:r>
               <a:rPr lang="ru-RU" dirty="0" smtClean="0"/>
-              <a:t>с </a:t>
-            </a:r>
-            <a:r>
-              <a:rPr lang="en-US" dirty="0" smtClean="0"/>
-              <a:t>Arduino </a:t>
-            </a:r>
-            <a:r>
-              <a:rPr lang="ru-RU" dirty="0" smtClean="0"/>
-              <a:t>по </a:t>
-            </a:r>
-            <a:r>
-              <a:rPr lang="en-US" dirty="0" smtClean="0"/>
-              <a:t>UART.</a:t>
+              <a:t>тоже является библиотекой для распознавания образов для языка </a:t>
+            </a:r>
+            <a:r>
+              <a:rPr lang="en-US" dirty="0" smtClean="0"/>
+              <a:t>python</a:t>
+            </a:r>
+            <a:r>
+              <a:rPr lang="ru-RU" dirty="0" smtClean="0"/>
+              <a:t>, однако она строго ориентирована на распознавание штрих и </a:t>
+            </a:r>
+            <a:r>
+              <a:rPr lang="en-US" dirty="0" smtClean="0"/>
+              <a:t>QR </a:t>
+            </a:r>
+            <a:r>
+              <a:rPr lang="ru-RU" dirty="0" smtClean="0"/>
+              <a:t>кодов.</a:t>
+            </a:r>
+          </a:p>
+          <a:p>
+            <a:r>
+              <a:rPr lang="ru-RU" dirty="0" smtClean="0"/>
+              <a:t>Обе эти библиотеки работают в симбиозе в нашем проекте для определения цвета, формы объектов, так же </a:t>
+            </a:r>
+            <a:r>
+              <a:rPr lang="en-US" dirty="0" smtClean="0"/>
+              <a:t>QR </a:t>
+            </a:r>
+            <a:r>
+              <a:rPr lang="ru-RU" dirty="0" smtClean="0"/>
+              <a:t>и штрих кодов на них.</a:t>
             </a:r>
             <a:endParaRPr lang="ru-RU" dirty="0"/>
           </a:p>
@@ -3975,7 +3989,7 @@
     </p:spTree>
     <p:extLst>
       <p:ext uri="{BB962C8B-B14F-4D97-AF65-F5344CB8AC3E}">
-        <p14:creationId xmlns:p14="http://schemas.microsoft.com/office/powerpoint/2010/main" val="2676962992"/>
+        <p14:creationId xmlns:p14="http://schemas.microsoft.com/office/powerpoint/2010/main" val="1530754924"/>
       </p:ext>
     </p:extLst>
   </p:cSld>
@@ -4018,10 +4032,9 @@
           <a:lstStyle/>
           <a:p>
             <a:r>
-              <a:rPr lang="ru-RU" dirty="0" smtClean="0"/>
-              <a:t>Что будет дальше</a:t>
-            </a:r>
-            <a:endParaRPr lang="ru-RU" dirty="0"/>
+              <a:rPr lang="ru-RU" dirty="0"/>
+              <a:t>Обучение</a:t>
+            </a:r>
           </a:p>
         </p:txBody>
       </p:sp>
@@ -4041,13 +4054,36 @@
           <a:lstStyle/>
           <a:p>
             <a:r>
-              <a:rPr lang="ru-RU" dirty="0"/>
-              <a:t>и</a:t>
-            </a:r>
-            <a:r>
-              <a:rPr lang="ru-RU" dirty="0" smtClean="0"/>
-              <a:t>ли обратная кинематика</a:t>
-            </a:r>
+              <a:rPr lang="ru-RU" dirty="0">
+                <a:solidFill>
+                  <a:schemeClr val="tx1"/>
+                </a:solidFill>
+              </a:rPr>
+              <a:t>или в чем отличие </a:t>
+            </a:r>
+            <a:r>
+              <a:rPr lang="ru-RU" dirty="0" smtClean="0">
+                <a:solidFill>
+                  <a:schemeClr val="tx1"/>
+                </a:solidFill>
+              </a:rPr>
+              <a:t>от роботов </a:t>
+            </a:r>
+            <a:r>
+              <a:rPr lang="en-US" dirty="0">
+                <a:solidFill>
+                  <a:schemeClr val="tx1"/>
+                </a:solidFill>
+              </a:rPr>
+              <a:t>KUKA</a:t>
+            </a:r>
+            <a:endParaRPr lang="ru-RU" dirty="0">
+              <a:solidFill>
+                <a:schemeClr val="tx1"/>
+              </a:solidFill>
+            </a:endParaRPr>
+          </a:p>
+          <a:p>
             <a:endParaRPr lang="ru-RU" dirty="0"/>
           </a:p>
         </p:txBody>
@@ -4055,7 +4091,7 @@
     </p:spTree>
     <p:extLst>
       <p:ext uri="{BB962C8B-B14F-4D97-AF65-F5344CB8AC3E}">
-        <p14:creationId xmlns:p14="http://schemas.microsoft.com/office/powerpoint/2010/main" val="59894171"/>
+        <p14:creationId xmlns:p14="http://schemas.microsoft.com/office/powerpoint/2010/main" val="3704061411"/>
       </p:ext>
     </p:extLst>
   </p:cSld>
@@ -4098,78 +4134,180 @@
           <a:lstStyle/>
           <a:p>
             <a:r>
+              <a:rPr lang="ru-RU" dirty="0" smtClean="0"/>
+              <a:t>Стоимость</a:t>
+            </a:r>
+            <a:endParaRPr lang="ru-RU" dirty="0"/>
+          </a:p>
+        </p:txBody>
+      </p:sp>
+      <p:sp>
+        <p:nvSpPr>
+          <p:cNvPr id="3" name="Объект 2"/>
+          <p:cNvSpPr>
+            <a:spLocks noGrp="1"/>
+          </p:cNvSpPr>
+          <p:nvPr>
+            <p:ph idx="1"/>
+          </p:nvPr>
+        </p:nvSpPr>
+        <p:spPr>
+          <a:xfrm>
+            <a:off x="838200" y="1825625"/>
+            <a:ext cx="10515600" cy="4729920"/>
+          </a:xfrm>
+        </p:spPr>
+        <p:txBody>
+          <a:bodyPr>
+            <a:normAutofit fontScale="85000" lnSpcReduction="20000"/>
+          </a:bodyPr>
+          <a:lstStyle/>
+          <a:p>
+            <a:r>
+              <a:rPr lang="ru-RU" dirty="0" smtClean="0"/>
+              <a:t>Естественно первым же параметром мы рассмотрим стоимость.</a:t>
+            </a:r>
+          </a:p>
+          <a:p>
+            <a:r>
+              <a:rPr lang="ru-RU" dirty="0" smtClean="0"/>
+              <a:t>Стоимость обучающих 6-осевых наборов оригинальной </a:t>
+            </a:r>
+            <a:r>
+              <a:rPr lang="en-US" dirty="0" smtClean="0"/>
+              <a:t>KUKA </a:t>
+            </a:r>
+            <a:r>
+              <a:rPr lang="ru-RU" dirty="0" smtClean="0"/>
+              <a:t>начинается от 2 миллионов рублей.</a:t>
+            </a:r>
+          </a:p>
+          <a:p>
+            <a:r>
+              <a:rPr lang="ru-RU" dirty="0" smtClean="0"/>
+              <a:t>Стоимость обучающего набора «</a:t>
+            </a:r>
+            <a:r>
+              <a:rPr lang="ru-RU" dirty="0" err="1" smtClean="0"/>
+              <a:t>Оптима</a:t>
+            </a:r>
+            <a:r>
+              <a:rPr lang="ru-RU" dirty="0" smtClean="0"/>
+              <a:t> 2» на основе 5-осевого манипулятора от российского производителя «Зарница» менее кусачая – почти пол миллиона рублей.</a:t>
+            </a:r>
+          </a:p>
+          <a:p>
+            <a:r>
+              <a:rPr lang="ru-RU" dirty="0" smtClean="0"/>
+              <a:t>Если рассматривать стоимость представленного вам робота, то она будет следующей: 7 сервоприводов по </a:t>
+            </a:r>
+            <a:r>
+              <a:rPr lang="en-US" dirty="0" smtClean="0"/>
+              <a:t>$</a:t>
+            </a:r>
+            <a:r>
+              <a:rPr lang="ru-RU" dirty="0" smtClean="0"/>
+              <a:t>50</a:t>
+            </a:r>
+            <a:r>
+              <a:rPr lang="en-US" dirty="0" smtClean="0"/>
+              <a:t> </a:t>
+            </a:r>
+            <a:r>
+              <a:rPr lang="ru-RU" dirty="0" smtClean="0"/>
+              <a:t>или по 3000р, резка и гравировка поля из фанеры обойдется еще в 3000р,</a:t>
+            </a:r>
+            <a:r>
+              <a:rPr lang="en-US" dirty="0" smtClean="0"/>
+              <a:t> Arduino Mega </a:t>
+            </a:r>
+            <a:r>
+              <a:rPr lang="ru-RU" dirty="0" smtClean="0"/>
+              <a:t> стоит 600р, </a:t>
+            </a:r>
+            <a:r>
+              <a:rPr lang="en-US" dirty="0" smtClean="0"/>
+              <a:t>Raspberry Pi </a:t>
+            </a:r>
+            <a:r>
+              <a:rPr lang="ru-RU" dirty="0" smtClean="0"/>
+              <a:t>обойдется еще в 3000р, если заказывать все из Китая. Если брать российских поставщиков, </a:t>
+            </a:r>
+            <a:r>
+              <a:rPr lang="ru-RU" dirty="0" err="1" smtClean="0"/>
+              <a:t>сервы</a:t>
+            </a:r>
+            <a:r>
+              <a:rPr lang="ru-RU" dirty="0" smtClean="0"/>
+              <a:t> и </a:t>
+            </a:r>
+            <a:r>
               <a:rPr lang="en-US" dirty="0" err="1" smtClean="0"/>
-              <a:t>IKPy</a:t>
-            </a:r>
-            <a:endParaRPr lang="ru-RU" dirty="0"/>
-          </a:p>
-        </p:txBody>
-      </p:sp>
-      <p:sp>
-        <p:nvSpPr>
-          <p:cNvPr id="3" name="Объект 2"/>
-          <p:cNvSpPr>
-            <a:spLocks noGrp="1"/>
-          </p:cNvSpPr>
-          <p:nvPr>
-            <p:ph idx="1"/>
-          </p:nvPr>
-        </p:nvSpPr>
-        <p:spPr/>
-        <p:txBody>
-          <a:bodyPr/>
-          <a:lstStyle/>
-          <a:p>
-            <a:r>
-              <a:rPr lang="en-US" dirty="0" smtClean="0"/>
-              <a:t>Raspberry Pi – </a:t>
-            </a:r>
-            <a:r>
-              <a:rPr lang="ru-RU" dirty="0" smtClean="0"/>
-              <a:t>очень мощное устройство. Программирование на </a:t>
-            </a:r>
-            <a:r>
-              <a:rPr lang="en-US" dirty="0" smtClean="0"/>
-              <a:t>python </a:t>
-            </a:r>
-            <a:r>
-              <a:rPr lang="ru-RU" dirty="0" smtClean="0"/>
-              <a:t>и </a:t>
-            </a:r>
-            <a:r>
-              <a:rPr lang="ru-RU" dirty="0" smtClean="0"/>
-              <a:t>использование </a:t>
-            </a:r>
-            <a:r>
-              <a:rPr lang="ru-RU" dirty="0" smtClean="0"/>
-              <a:t>множества библиотек позволяет делать по настоящему </a:t>
-            </a:r>
-            <a:r>
-              <a:rPr lang="ru-RU" dirty="0" smtClean="0"/>
-              <a:t>трудные вещи</a:t>
-            </a:r>
-            <a:r>
-              <a:rPr lang="ru-RU" dirty="0" smtClean="0"/>
+              <a:t>RPi</a:t>
+            </a:r>
+            <a:r>
+              <a:rPr lang="ru-RU" dirty="0" smtClean="0"/>
+              <a:t> по 5000р, </a:t>
+            </a:r>
+            <a:r>
+              <a:rPr lang="ru-RU" dirty="0" err="1" smtClean="0"/>
+              <a:t>Ардуино</a:t>
+            </a:r>
+            <a:r>
+              <a:rPr lang="ru-RU" dirty="0" smtClean="0"/>
+              <a:t> 1500р</a:t>
+            </a:r>
+            <a:r>
+              <a:rPr lang="en-US" dirty="0" smtClean="0"/>
+              <a:t>. </a:t>
+            </a:r>
+            <a:r>
+              <a:rPr lang="ru-RU" dirty="0" smtClean="0"/>
+              <a:t>Даже с учетом максимальной стоимости этот робот стоит дешевле 50 тысяч рублей.</a:t>
+            </a:r>
+          </a:p>
+          <a:p>
+            <a:r>
+              <a:rPr lang="ru-RU" dirty="0" smtClean="0"/>
+              <a:t>Не надо забывать и тот факт, что сервоприводы у нас уже были, как и в некоторых других учебных центрах</a:t>
+            </a:r>
+            <a:r>
+              <a:rPr lang="en-US" dirty="0" smtClean="0"/>
+              <a:t>,</a:t>
+            </a:r>
+            <a:r>
+              <a:rPr lang="ru-RU" dirty="0" smtClean="0"/>
+              <a:t> в наборах </a:t>
+            </a:r>
+            <a:r>
+              <a:rPr lang="en-US" dirty="0" err="1" smtClean="0"/>
+              <a:t>Robotis</a:t>
+            </a:r>
+            <a:r>
+              <a:rPr lang="en-US" dirty="0" smtClean="0"/>
+              <a:t> </a:t>
+            </a:r>
+            <a:r>
+              <a:rPr lang="en-US" dirty="0" err="1" smtClean="0"/>
+              <a:t>Bioloid</a:t>
+            </a:r>
+            <a:r>
+              <a:rPr lang="en-US" dirty="0" smtClean="0"/>
               <a:t>.</a:t>
             </a:r>
-          </a:p>
-          <a:p>
-            <a:r>
-              <a:rPr lang="ru-RU" dirty="0" smtClean="0"/>
-              <a:t>Мы нашли библиотеку для расчёта обратной кинематики под названием </a:t>
-            </a:r>
-            <a:r>
-              <a:rPr lang="en-US" dirty="0" err="1" smtClean="0"/>
-              <a:t>IKPy</a:t>
-            </a:r>
-            <a:r>
-              <a:rPr lang="en-US" dirty="0" smtClean="0"/>
-              <a:t> </a:t>
-            </a:r>
-            <a:r>
-              <a:rPr lang="ru-RU" dirty="0" smtClean="0"/>
-              <a:t>и уже начали ее изучать.</a:t>
-            </a:r>
+            <a:r>
+              <a:rPr lang="ru-RU" dirty="0" smtClean="0"/>
+              <a:t/>
+            </a:r>
+            <a:br>
+              <a:rPr lang="ru-RU" dirty="0" smtClean="0"/>
+            </a:br>
+            <a:endParaRPr lang="ru-RU" dirty="0" smtClean="0"/>
+          </a:p>
+          <a:p>
+            <a:pPr marL="0" indent="0">
+              <a:buNone/>
+            </a:pPr>
             <a:endParaRPr lang="ru-RU" dirty="0"/>
           </a:p>
         </p:txBody>
@@ -4177,7 +4315,7 @@
     </p:spTree>
     <p:extLst>
       <p:ext uri="{BB962C8B-B14F-4D97-AF65-F5344CB8AC3E}">
-        <p14:creationId xmlns:p14="http://schemas.microsoft.com/office/powerpoint/2010/main" val="128657996"/>
+        <p14:creationId xmlns:p14="http://schemas.microsoft.com/office/powerpoint/2010/main" val="1190403144"/>
       </p:ext>
     </p:extLst>
   </p:cSld>
@@ -4221,7 +4359,7 @@
           <a:p>
             <a:r>
               <a:rPr lang="ru-RU" dirty="0" smtClean="0"/>
-              <a:t>Спасибо за внимание</a:t>
+              <a:t>Потенциал обучения готовых наборов</a:t>
             </a:r>
             <a:endParaRPr lang="ru-RU" dirty="0"/>
           </a:p>
@@ -4229,27 +4367,622 @@
       </p:sp>
       <p:sp>
         <p:nvSpPr>
-          <p:cNvPr id="3" name="Текст 2"/>
-          <p:cNvSpPr>
-            <a:spLocks noGrp="1"/>
-          </p:cNvSpPr>
-          <p:nvPr>
-            <p:ph type="body" idx="1"/>
-          </p:nvPr>
-        </p:nvSpPr>
-        <p:spPr/>
-        <p:txBody>
-          <a:bodyPr/>
-          <a:lstStyle/>
-          <a:p>
-            <a:endParaRPr lang="ru-RU" dirty="0"/>
+          <p:cNvPr id="3" name="Объект 2"/>
+          <p:cNvSpPr>
+            <a:spLocks noGrp="1"/>
+          </p:cNvSpPr>
+          <p:nvPr>
+            <p:ph idx="1"/>
+          </p:nvPr>
+        </p:nvSpPr>
+        <p:spPr/>
+        <p:txBody>
+          <a:bodyPr>
+            <a:normAutofit fontScale="92500" lnSpcReduction="10000"/>
+          </a:bodyPr>
+          <a:lstStyle/>
+          <a:p>
+            <a:r>
+              <a:rPr lang="ru-RU" dirty="0" smtClean="0"/>
+              <a:t>Роботы </a:t>
+            </a:r>
+            <a:r>
+              <a:rPr lang="en-US" dirty="0" smtClean="0"/>
+              <a:t>KUKA</a:t>
+            </a:r>
+            <a:r>
+              <a:rPr lang="ru-RU" dirty="0" smtClean="0"/>
+              <a:t> позволяют изучить только язык </a:t>
+            </a:r>
+            <a:r>
+              <a:rPr lang="en-US" dirty="0" err="1" smtClean="0"/>
+              <a:t>Kuka</a:t>
+            </a:r>
+            <a:r>
+              <a:rPr lang="en-US" dirty="0" smtClean="0"/>
+              <a:t> Robot Language</a:t>
+            </a:r>
+            <a:r>
+              <a:rPr lang="ru-RU" dirty="0" smtClean="0"/>
+              <a:t>, который больше похож на </a:t>
+            </a:r>
+            <a:r>
+              <a:rPr lang="en-US" dirty="0" smtClean="0"/>
+              <a:t>G</a:t>
+            </a:r>
+            <a:r>
+              <a:rPr lang="ru-RU" dirty="0" smtClean="0"/>
+              <a:t>-</a:t>
+            </a:r>
+            <a:r>
+              <a:rPr lang="en-US" dirty="0" smtClean="0"/>
+              <a:t>Code</a:t>
+            </a:r>
+            <a:r>
+              <a:rPr lang="ru-RU" dirty="0" smtClean="0"/>
+              <a:t>, нежели на обычный язык программирования, это хорошо, если вы учитесь на оператора роботов </a:t>
+            </a:r>
+            <a:r>
+              <a:rPr lang="en-US" dirty="0" err="1" smtClean="0"/>
+              <a:t>Kuka</a:t>
+            </a:r>
+            <a:r>
+              <a:rPr lang="en-US" dirty="0" smtClean="0"/>
+              <a:t>, </a:t>
+            </a:r>
+            <a:r>
+              <a:rPr lang="ru-RU" dirty="0" smtClean="0"/>
+              <a:t>однако недостаточно, если вы хотите изучить полностью работу подобных манипуляторов.</a:t>
+            </a:r>
+          </a:p>
+          <a:p>
+            <a:r>
+              <a:rPr lang="ru-RU" dirty="0" smtClean="0"/>
+              <a:t>Робот от Зарницы основан на плате </a:t>
+            </a:r>
+            <a:r>
+              <a:rPr lang="en-US" dirty="0" smtClean="0"/>
+              <a:t>Arduino Mega, </a:t>
+            </a:r>
+            <a:r>
+              <a:rPr lang="ru-RU" dirty="0" smtClean="0"/>
+              <a:t>что дает уже больший простор для обучения, его можно программировать со стандартной прошивкой на </a:t>
+            </a:r>
+            <a:r>
+              <a:rPr lang="en-US" dirty="0" err="1" smtClean="0"/>
+              <a:t>Kuka</a:t>
+            </a:r>
+            <a:r>
+              <a:rPr lang="en-US" dirty="0" smtClean="0"/>
+              <a:t> Robot Language, </a:t>
+            </a:r>
+            <a:r>
+              <a:rPr lang="ru-RU" dirty="0" smtClean="0"/>
+              <a:t>а можно написать прошивку самим в привычной многим школьникам </a:t>
+            </a:r>
+            <a:r>
+              <a:rPr lang="en-US" dirty="0" smtClean="0"/>
+              <a:t>Arduino IDE</a:t>
+            </a:r>
+            <a:r>
+              <a:rPr lang="ru-RU" dirty="0" smtClean="0"/>
+              <a:t>. Однако подключение дополнительных внешних модулей корпусом не предусмотрено, как и не предусмотрена сборка этого робота самостоятельно учениками.</a:t>
+            </a:r>
           </a:p>
         </p:txBody>
       </p:sp>
     </p:spTree>
     <p:extLst>
       <p:ext uri="{BB962C8B-B14F-4D97-AF65-F5344CB8AC3E}">
-        <p14:creationId xmlns:p14="http://schemas.microsoft.com/office/powerpoint/2010/main" val="4168122063"/>
+        <p14:creationId xmlns:p14="http://schemas.microsoft.com/office/powerpoint/2010/main" val="2089495922"/>
+      </p:ext>
+    </p:extLst>
+  </p:cSld>
+  <p:clrMapOvr>
+    <a:masterClrMapping/>
+  </p:clrMapOvr>
+</p:sld>
+</file>
+
+<file path=ppt/slides/slide16.xml><?xml version="1.0" encoding="utf-8"?>
+<p:sld xmlns:a="http://schemas.openxmlformats.org/drawingml/2006/main" xmlns:r="http://schemas.openxmlformats.org/officeDocument/2006/relationships" xmlns:p="http://schemas.openxmlformats.org/presentationml/2006/main">
+  <p:cSld>
+    <p:spTree>
+      <p:nvGrpSpPr>
+        <p:cNvPr id="1" name=""/>
+        <p:cNvGrpSpPr/>
+        <p:nvPr/>
+      </p:nvGrpSpPr>
+      <p:grpSpPr>
+        <a:xfrm>
+          <a:off x="0" y="0"/>
+          <a:ext cx="0" cy="0"/>
+          <a:chOff x="0" y="0"/>
+          <a:chExt cx="0" cy="0"/>
+        </a:xfrm>
+      </p:grpSpPr>
+      <p:sp>
+        <p:nvSpPr>
+          <p:cNvPr id="2" name="Заголовок 1"/>
+          <p:cNvSpPr>
+            <a:spLocks noGrp="1"/>
+          </p:cNvSpPr>
+          <p:nvPr>
+            <p:ph type="title"/>
+          </p:nvPr>
+        </p:nvSpPr>
+        <p:spPr/>
+        <p:txBody>
+          <a:bodyPr/>
+          <a:lstStyle/>
+          <a:p>
+            <a:r>
+              <a:rPr lang="ru-RU" dirty="0" smtClean="0"/>
+              <a:t>Потенциал обучения нашего робота</a:t>
+            </a:r>
+            <a:endParaRPr lang="ru-RU" dirty="0"/>
+          </a:p>
+        </p:txBody>
+      </p:sp>
+      <p:sp>
+        <p:nvSpPr>
+          <p:cNvPr id="3" name="Объект 2"/>
+          <p:cNvSpPr>
+            <a:spLocks noGrp="1"/>
+          </p:cNvSpPr>
+          <p:nvPr>
+            <p:ph idx="1"/>
+          </p:nvPr>
+        </p:nvSpPr>
+        <p:spPr/>
+        <p:txBody>
+          <a:bodyPr>
+            <a:normAutofit fontScale="92500" lnSpcReduction="10000"/>
+          </a:bodyPr>
+          <a:lstStyle/>
+          <a:p>
+            <a:r>
+              <a:rPr lang="ru-RU" dirty="0"/>
+              <a:t>Наш </a:t>
+            </a:r>
+            <a:r>
+              <a:rPr lang="ru-RU" dirty="0" smtClean="0"/>
+              <a:t>робот</a:t>
+            </a:r>
+            <a:r>
+              <a:rPr lang="ru-RU" dirty="0"/>
+              <a:t>, в силу отсутствия корпуса как такового, позволяет присоединять к нему </a:t>
+            </a:r>
+            <a:r>
+              <a:rPr lang="ru-RU" dirty="0" smtClean="0"/>
+              <a:t>всё </a:t>
+            </a:r>
+            <a:r>
+              <a:rPr lang="ru-RU" dirty="0"/>
+              <a:t>что угодно, </a:t>
+            </a:r>
+            <a:r>
+              <a:rPr lang="ru-RU" dirty="0" smtClean="0"/>
+              <a:t>например, </a:t>
+            </a:r>
+            <a:r>
+              <a:rPr lang="en-US" dirty="0" err="1"/>
+              <a:t>RPi</a:t>
+            </a:r>
+            <a:r>
+              <a:rPr lang="ru-RU" dirty="0"/>
+              <a:t> с камерой. Помимо этого, конструкцию самого робота определяет сам ученик или его преподаватель, что позволяет собрать не только 6-осевого робота, но и 3 осевого, для начального погружения, или 6 осевого для большей свободы действий и усложнения программы.</a:t>
+            </a:r>
+          </a:p>
+          <a:p>
+            <a:r>
+              <a:rPr lang="ru-RU" dirty="0" smtClean="0"/>
+              <a:t>Возможность выбора основы значит, что язык </a:t>
+            </a:r>
+            <a:r>
+              <a:rPr lang="en-US" dirty="0" err="1" smtClean="0"/>
+              <a:t>Kuka</a:t>
+            </a:r>
+            <a:r>
+              <a:rPr lang="en-US" dirty="0" smtClean="0"/>
+              <a:t> Robot Language </a:t>
+            </a:r>
+            <a:r>
+              <a:rPr lang="ru-RU" dirty="0" smtClean="0"/>
+              <a:t>так же может быть затронут в процессе обучения, и не просто на уровне заучивания команд, а на уровне</a:t>
+            </a:r>
+            <a:r>
+              <a:rPr lang="en-US" dirty="0" smtClean="0"/>
+              <a:t> </a:t>
+            </a:r>
+            <a:r>
+              <a:rPr lang="ru-RU" dirty="0" smtClean="0"/>
+              <a:t>создания транслятора </a:t>
+            </a:r>
+            <a:r>
+              <a:rPr lang="en-US" dirty="0" smtClean="0"/>
+              <a:t>KRL </a:t>
+            </a:r>
+            <a:r>
+              <a:rPr lang="ru-RU" dirty="0" smtClean="0"/>
+              <a:t>в </a:t>
+            </a:r>
+            <a:r>
+              <a:rPr lang="en-US" dirty="0" smtClean="0"/>
+              <a:t>C++, </a:t>
+            </a:r>
+            <a:r>
+              <a:rPr lang="ru-RU" dirty="0" smtClean="0"/>
+              <a:t>т.е. разбивки одной </a:t>
+            </a:r>
+            <a:r>
+              <a:rPr lang="en-US" dirty="0" smtClean="0"/>
+              <a:t>KRL </a:t>
+            </a:r>
+            <a:r>
+              <a:rPr lang="ru-RU" dirty="0" smtClean="0"/>
+              <a:t>команды на внутренние </a:t>
+            </a:r>
+            <a:r>
+              <a:rPr lang="en-US" dirty="0" smtClean="0"/>
+              <a:t>C++ </a:t>
+            </a:r>
+            <a:r>
+              <a:rPr lang="ru-RU" dirty="0" smtClean="0"/>
+              <a:t>команды, что позволит лучше понимать работу манипулятора и в последствии писать более оптимизированный код на </a:t>
+            </a:r>
+            <a:r>
+              <a:rPr lang="en-US" dirty="0" smtClean="0"/>
+              <a:t>KRL</a:t>
+            </a:r>
+            <a:r>
+              <a:rPr lang="ru-RU" dirty="0" smtClean="0"/>
+              <a:t>.</a:t>
+            </a:r>
+            <a:endParaRPr lang="ru-RU" dirty="0"/>
+          </a:p>
+        </p:txBody>
+      </p:sp>
+    </p:spTree>
+    <p:extLst>
+      <p:ext uri="{BB962C8B-B14F-4D97-AF65-F5344CB8AC3E}">
+        <p14:creationId xmlns:p14="http://schemas.microsoft.com/office/powerpoint/2010/main" val="580550822"/>
+      </p:ext>
+    </p:extLst>
+  </p:cSld>
+  <p:clrMapOvr>
+    <a:masterClrMapping/>
+  </p:clrMapOvr>
+</p:sld>
+</file>
+
+<file path=ppt/slides/slide17.xml><?xml version="1.0" encoding="utf-8"?>
+<p:sld xmlns:a="http://schemas.openxmlformats.org/drawingml/2006/main" xmlns:r="http://schemas.openxmlformats.org/officeDocument/2006/relationships" xmlns:p="http://schemas.openxmlformats.org/presentationml/2006/main">
+  <p:cSld>
+    <p:spTree>
+      <p:nvGrpSpPr>
+        <p:cNvPr id="1" name=""/>
+        <p:cNvGrpSpPr/>
+        <p:nvPr/>
+      </p:nvGrpSpPr>
+      <p:grpSpPr>
+        <a:xfrm>
+          <a:off x="0" y="0"/>
+          <a:ext cx="0" cy="0"/>
+          <a:chOff x="0" y="0"/>
+          <a:chExt cx="0" cy="0"/>
+        </a:xfrm>
+      </p:grpSpPr>
+      <p:sp>
+        <p:nvSpPr>
+          <p:cNvPr id="2" name="Заголовок 1"/>
+          <p:cNvSpPr>
+            <a:spLocks noGrp="1"/>
+          </p:cNvSpPr>
+          <p:nvPr>
+            <p:ph type="title"/>
+          </p:nvPr>
+        </p:nvSpPr>
+        <p:spPr/>
+        <p:txBody>
+          <a:bodyPr/>
+          <a:lstStyle/>
+          <a:p>
+            <a:r>
+              <a:rPr lang="ru-RU" dirty="0" smtClean="0"/>
+              <a:t>Что будет дальше</a:t>
+            </a:r>
+            <a:endParaRPr lang="ru-RU" dirty="0"/>
+          </a:p>
+        </p:txBody>
+      </p:sp>
+      <p:sp>
+        <p:nvSpPr>
+          <p:cNvPr id="3" name="Текст 2"/>
+          <p:cNvSpPr>
+            <a:spLocks noGrp="1"/>
+          </p:cNvSpPr>
+          <p:nvPr>
+            <p:ph type="body" idx="1"/>
+          </p:nvPr>
+        </p:nvSpPr>
+        <p:spPr/>
+        <p:txBody>
+          <a:bodyPr/>
+          <a:lstStyle/>
+          <a:p>
+            <a:r>
+              <a:rPr lang="ru-RU" dirty="0"/>
+              <a:t>и</a:t>
+            </a:r>
+            <a:r>
+              <a:rPr lang="ru-RU" dirty="0" smtClean="0"/>
+              <a:t>ли обратная кинематика</a:t>
+            </a:r>
+            <a:endParaRPr lang="ru-RU" dirty="0"/>
+          </a:p>
+        </p:txBody>
+      </p:sp>
+    </p:spTree>
+    <p:extLst>
+      <p:ext uri="{BB962C8B-B14F-4D97-AF65-F5344CB8AC3E}">
+        <p14:creationId xmlns:p14="http://schemas.microsoft.com/office/powerpoint/2010/main" val="59894171"/>
+      </p:ext>
+    </p:extLst>
+  </p:cSld>
+  <p:clrMapOvr>
+    <a:masterClrMapping/>
+  </p:clrMapOvr>
+</p:sld>
+</file>
+
+<file path=ppt/slides/slide18.xml><?xml version="1.0" encoding="utf-8"?>
+<p:sld xmlns:a="http://schemas.openxmlformats.org/drawingml/2006/main" xmlns:r="http://schemas.openxmlformats.org/officeDocument/2006/relationships" xmlns:p="http://schemas.openxmlformats.org/presentationml/2006/main">
+  <p:cSld>
+    <p:spTree>
+      <p:nvGrpSpPr>
+        <p:cNvPr id="1" name=""/>
+        <p:cNvGrpSpPr/>
+        <p:nvPr/>
+      </p:nvGrpSpPr>
+      <p:grpSpPr>
+        <a:xfrm>
+          <a:off x="0" y="0"/>
+          <a:ext cx="0" cy="0"/>
+          <a:chOff x="0" y="0"/>
+          <a:chExt cx="0" cy="0"/>
+        </a:xfrm>
+      </p:grpSpPr>
+      <p:sp>
+        <p:nvSpPr>
+          <p:cNvPr id="2" name="Заголовок 1"/>
+          <p:cNvSpPr>
+            <a:spLocks noGrp="1"/>
+          </p:cNvSpPr>
+          <p:nvPr>
+            <p:ph type="title"/>
+          </p:nvPr>
+        </p:nvSpPr>
+        <p:spPr/>
+        <p:txBody>
+          <a:bodyPr/>
+          <a:lstStyle/>
+          <a:p>
+            <a:r>
+              <a:rPr lang="en-US" dirty="0" err="1" smtClean="0"/>
+              <a:t>IKPy</a:t>
+            </a:r>
+            <a:endParaRPr lang="ru-RU" dirty="0"/>
+          </a:p>
+        </p:txBody>
+      </p:sp>
+      <p:sp>
+        <p:nvSpPr>
+          <p:cNvPr id="3" name="Объект 2"/>
+          <p:cNvSpPr>
+            <a:spLocks noGrp="1"/>
+          </p:cNvSpPr>
+          <p:nvPr>
+            <p:ph idx="1"/>
+          </p:nvPr>
+        </p:nvSpPr>
+        <p:spPr/>
+        <p:txBody>
+          <a:bodyPr/>
+          <a:lstStyle/>
+          <a:p>
+            <a:r>
+              <a:rPr lang="en-US" dirty="0" smtClean="0"/>
+              <a:t>Raspberry Pi – </a:t>
+            </a:r>
+            <a:r>
+              <a:rPr lang="ru-RU" dirty="0" smtClean="0"/>
+              <a:t>очень мощное устройство. Программирование на </a:t>
+            </a:r>
+            <a:r>
+              <a:rPr lang="en-US" dirty="0" smtClean="0"/>
+              <a:t>python </a:t>
+            </a:r>
+            <a:r>
+              <a:rPr lang="ru-RU" dirty="0" smtClean="0"/>
+              <a:t>и использование множества библиотек позволяет делать по настоящему трудные вещи.</a:t>
+            </a:r>
+          </a:p>
+          <a:p>
+            <a:r>
+              <a:rPr lang="ru-RU" dirty="0" smtClean="0"/>
+              <a:t>Мы нашли библиотеку для расчёта обратной кинематики под названием </a:t>
+            </a:r>
+            <a:r>
+              <a:rPr lang="en-US" dirty="0" err="1" smtClean="0"/>
+              <a:t>IKPy</a:t>
+            </a:r>
+            <a:r>
+              <a:rPr lang="en-US" dirty="0" smtClean="0"/>
+              <a:t> </a:t>
+            </a:r>
+            <a:r>
+              <a:rPr lang="ru-RU" dirty="0" smtClean="0"/>
+              <a:t>и уже начали ее изучать.</a:t>
+            </a:r>
+            <a:endParaRPr lang="ru-RU" dirty="0"/>
+          </a:p>
+        </p:txBody>
+      </p:sp>
+    </p:spTree>
+    <p:extLst>
+      <p:ext uri="{BB962C8B-B14F-4D97-AF65-F5344CB8AC3E}">
+        <p14:creationId xmlns:p14="http://schemas.microsoft.com/office/powerpoint/2010/main" val="128657996"/>
+      </p:ext>
+    </p:extLst>
+  </p:cSld>
+  <p:clrMapOvr>
+    <a:masterClrMapping/>
+  </p:clrMapOvr>
+</p:sld>
+</file>
+
+<file path=ppt/slides/slide19.xml><?xml version="1.0" encoding="utf-8"?>
+<p:sld xmlns:a="http://schemas.openxmlformats.org/drawingml/2006/main" xmlns:r="http://schemas.openxmlformats.org/officeDocument/2006/relationships" xmlns:p="http://schemas.openxmlformats.org/presentationml/2006/main">
+  <p:cSld>
+    <p:spTree>
+      <p:nvGrpSpPr>
+        <p:cNvPr id="1" name=""/>
+        <p:cNvGrpSpPr/>
+        <p:nvPr/>
+      </p:nvGrpSpPr>
+      <p:grpSpPr>
+        <a:xfrm>
+          <a:off x="0" y="0"/>
+          <a:ext cx="0" cy="0"/>
+          <a:chOff x="0" y="0"/>
+          <a:chExt cx="0" cy="0"/>
+        </a:xfrm>
+      </p:grpSpPr>
+      <p:sp>
+        <p:nvSpPr>
+          <p:cNvPr id="2" name="Заголовок 1"/>
+          <p:cNvSpPr>
+            <a:spLocks noGrp="1"/>
+          </p:cNvSpPr>
+          <p:nvPr>
+            <p:ph type="title"/>
+          </p:nvPr>
+        </p:nvSpPr>
+        <p:spPr/>
+        <p:txBody>
+          <a:bodyPr/>
+          <a:lstStyle/>
+          <a:p>
+            <a:r>
+              <a:rPr lang="en-US" dirty="0" err="1" smtClean="0"/>
+              <a:t>Kuka</a:t>
+            </a:r>
+            <a:r>
+              <a:rPr lang="en-US" dirty="0" smtClean="0"/>
+              <a:t> Robot Language</a:t>
+            </a:r>
+            <a:endParaRPr lang="ru-RU" dirty="0"/>
+          </a:p>
+        </p:txBody>
+      </p:sp>
+      <p:sp>
+        <p:nvSpPr>
+          <p:cNvPr id="3" name="Объект 2"/>
+          <p:cNvSpPr>
+            <a:spLocks noGrp="1"/>
+          </p:cNvSpPr>
+          <p:nvPr>
+            <p:ph idx="1"/>
+          </p:nvPr>
+        </p:nvSpPr>
+        <p:spPr/>
+        <p:txBody>
+          <a:bodyPr/>
+          <a:lstStyle/>
+          <a:p>
+            <a:r>
+              <a:rPr lang="ru-RU" dirty="0" smtClean="0"/>
+              <a:t>Так как за основу робота мы брали промышленный робот-манипулятор, то будет совершенно неправильно программировать нашего робота только написанием прошивки.</a:t>
+            </a:r>
+          </a:p>
+          <a:p>
+            <a:r>
+              <a:rPr lang="ru-RU" dirty="0" smtClean="0"/>
+              <a:t>После добавления алгоритма расчета обратной кинематики, следующей задачей станет добавление возможности программирования робота при помощи </a:t>
+            </a:r>
+            <a:r>
+              <a:rPr lang="en-US" dirty="0" smtClean="0"/>
+              <a:t>G-</a:t>
+            </a:r>
+            <a:r>
+              <a:rPr lang="ru-RU" dirty="0" smtClean="0"/>
+              <a:t>кодов и </a:t>
+            </a:r>
+            <a:r>
+              <a:rPr lang="en-US" dirty="0" smtClean="0"/>
+              <a:t>KRL</a:t>
+            </a:r>
+            <a:r>
+              <a:rPr lang="ru-RU" dirty="0" smtClean="0"/>
+              <a:t>, так как они работают по принципу «приведи насадку к месту </a:t>
+            </a:r>
+            <a:r>
+              <a:rPr lang="en-US" dirty="0" smtClean="0"/>
+              <a:t>X</a:t>
+            </a:r>
+            <a:r>
+              <a:rPr lang="ru-RU" dirty="0" smtClean="0"/>
+              <a:t> </a:t>
+            </a:r>
+            <a:r>
+              <a:rPr lang="en-US" dirty="0" smtClean="0"/>
+              <a:t>Y</a:t>
+            </a:r>
+            <a:r>
+              <a:rPr lang="ru-RU" dirty="0" smtClean="0"/>
+              <a:t> </a:t>
+            </a:r>
+            <a:r>
+              <a:rPr lang="en-US" dirty="0" smtClean="0"/>
+              <a:t>Z </a:t>
+            </a:r>
+            <a:r>
+              <a:rPr lang="ru-RU" dirty="0" smtClean="0"/>
+              <a:t>под углом </a:t>
+            </a:r>
+            <a:r>
+              <a:rPr lang="en-US" dirty="0" smtClean="0"/>
+              <a:t>A</a:t>
+            </a:r>
+            <a:r>
+              <a:rPr lang="ru-RU" dirty="0" smtClean="0"/>
+              <a:t> </a:t>
+            </a:r>
+            <a:r>
+              <a:rPr lang="en-US" dirty="0" smtClean="0"/>
+              <a:t>B</a:t>
+            </a:r>
+            <a:r>
+              <a:rPr lang="ru-RU" dirty="0" smtClean="0"/>
+              <a:t> </a:t>
+            </a:r>
+            <a:r>
+              <a:rPr lang="en-US" dirty="0" smtClean="0"/>
+              <a:t>C</a:t>
+            </a:r>
+            <a:r>
+              <a:rPr lang="ru-RU" dirty="0" smtClean="0"/>
+              <a:t>», что и является основной задачей обратной кинематики.</a:t>
+            </a:r>
+            <a:endParaRPr lang="ru-RU" dirty="0"/>
+          </a:p>
+        </p:txBody>
+      </p:sp>
+    </p:spTree>
+    <p:extLst>
+      <p:ext uri="{BB962C8B-B14F-4D97-AF65-F5344CB8AC3E}">
+        <p14:creationId xmlns:p14="http://schemas.microsoft.com/office/powerpoint/2010/main" val="3749288994"/>
       </p:ext>
     </p:extLst>
   </p:cSld>
@@ -4322,7 +5055,13 @@
           <a:p>
             <a:r>
               <a:rPr lang="ru-RU" dirty="0" smtClean="0"/>
-              <a:t>Это второй год разработки робота. В этом году мы сосредоточились на разработке сенсоров робота, а точнее, заставили робота видеть и распознавать предметы. </a:t>
+              <a:t>Наверно еще не было команды, которая второй год подряд заявляется с одним и тем же проектом, но тут надо пояснить…</a:t>
+            </a:r>
+          </a:p>
+          <a:p>
+            <a:r>
+              <a:rPr lang="ru-RU" dirty="0" smtClean="0"/>
+              <a:t>Хоть основа робота осталась прежней, многое изменилось. Был заново написан код и основной задачей было изучение компьютерного зрения.</a:t>
             </a:r>
             <a:endParaRPr lang="en-US" dirty="0" smtClean="0"/>
           </a:p>
@@ -4332,6 +5071,78 @@
     <p:extLst>
       <p:ext uri="{BB962C8B-B14F-4D97-AF65-F5344CB8AC3E}">
         <p14:creationId xmlns:p14="http://schemas.microsoft.com/office/powerpoint/2010/main" val="2190008843"/>
+      </p:ext>
+    </p:extLst>
+  </p:cSld>
+  <p:clrMapOvr>
+    <a:masterClrMapping/>
+  </p:clrMapOvr>
+</p:sld>
+</file>
+
+<file path=ppt/slides/slide20.xml><?xml version="1.0" encoding="utf-8"?>
+<p:sld xmlns:a="http://schemas.openxmlformats.org/drawingml/2006/main" xmlns:r="http://schemas.openxmlformats.org/officeDocument/2006/relationships" xmlns:p="http://schemas.openxmlformats.org/presentationml/2006/main">
+  <p:cSld>
+    <p:spTree>
+      <p:nvGrpSpPr>
+        <p:cNvPr id="1" name=""/>
+        <p:cNvGrpSpPr/>
+        <p:nvPr/>
+      </p:nvGrpSpPr>
+      <p:grpSpPr>
+        <a:xfrm>
+          <a:off x="0" y="0"/>
+          <a:ext cx="0" cy="0"/>
+          <a:chOff x="0" y="0"/>
+          <a:chExt cx="0" cy="0"/>
+        </a:xfrm>
+      </p:grpSpPr>
+      <p:sp>
+        <p:nvSpPr>
+          <p:cNvPr id="2" name="Заголовок 1"/>
+          <p:cNvSpPr>
+            <a:spLocks noGrp="1"/>
+          </p:cNvSpPr>
+          <p:nvPr>
+            <p:ph type="title"/>
+          </p:nvPr>
+        </p:nvSpPr>
+        <p:spPr/>
+        <p:txBody>
+          <a:bodyPr/>
+          <a:lstStyle/>
+          <a:p>
+            <a:r>
+              <a:rPr lang="ru-RU" dirty="0" smtClean="0"/>
+              <a:t>Спасибо за внимание</a:t>
+            </a:r>
+            <a:endParaRPr lang="ru-RU" dirty="0"/>
+          </a:p>
+        </p:txBody>
+      </p:sp>
+      <p:sp>
+        <p:nvSpPr>
+          <p:cNvPr id="3" name="Текст 2"/>
+          <p:cNvSpPr>
+            <a:spLocks noGrp="1"/>
+          </p:cNvSpPr>
+          <p:nvPr>
+            <p:ph type="body" idx="1"/>
+          </p:nvPr>
+        </p:nvSpPr>
+        <p:spPr/>
+        <p:txBody>
+          <a:bodyPr/>
+          <a:lstStyle/>
+          <a:p>
+            <a:endParaRPr lang="ru-RU" dirty="0"/>
+          </a:p>
+        </p:txBody>
+      </p:sp>
+    </p:spTree>
+    <p:extLst>
+      <p:ext uri="{BB962C8B-B14F-4D97-AF65-F5344CB8AC3E}">
+        <p14:creationId xmlns:p14="http://schemas.microsoft.com/office/powerpoint/2010/main" val="4168122063"/>
       </p:ext>
     </p:extLst>
   </p:cSld>
@@ -4476,7 +5287,6 @@
               <a:rPr lang="ru-RU" dirty="0" smtClean="0"/>
               <a:t>Мы немного поработали над конструкцией робота:</a:t>
             </a:r>
-            <a:endParaRPr lang="ru-RU" dirty="0" smtClean="0"/>
           </a:p>
           <a:p>
             <a:pPr lvl="1"/>
